--- a/Apresentações/Modulo 10/M10A02.pptx
+++ b/Apresentações/Modulo 10/M10A02.pptx
@@ -248,7 +248,7 @@
           <a:p>
             <a:fld id="{F36A889A-630D-4AE9-9509-7F3A71457833}" type="datetimeFigureOut">
               <a:rPr lang="pt-BR" smtClean="0"/>
-              <a:t>12/06/2015</a:t>
+              <a:t>20/06/2015</a:t>
             </a:fld>
             <a:endParaRPr lang="pt-BR"/>
           </a:p>
@@ -418,7 +418,7 @@
           <a:p>
             <a:fld id="{F36A889A-630D-4AE9-9509-7F3A71457833}" type="datetimeFigureOut">
               <a:rPr lang="pt-BR" smtClean="0"/>
-              <a:t>12/06/2015</a:t>
+              <a:t>20/06/2015</a:t>
             </a:fld>
             <a:endParaRPr lang="pt-BR"/>
           </a:p>
@@ -598,7 +598,7 @@
           <a:p>
             <a:fld id="{F36A889A-630D-4AE9-9509-7F3A71457833}" type="datetimeFigureOut">
               <a:rPr lang="pt-BR" smtClean="0"/>
-              <a:t>12/06/2015</a:t>
+              <a:t>20/06/2015</a:t>
             </a:fld>
             <a:endParaRPr lang="pt-BR"/>
           </a:p>
@@ -768,7 +768,7 @@
           <a:p>
             <a:fld id="{F36A889A-630D-4AE9-9509-7F3A71457833}" type="datetimeFigureOut">
               <a:rPr lang="pt-BR" smtClean="0"/>
-              <a:t>12/06/2015</a:t>
+              <a:t>20/06/2015</a:t>
             </a:fld>
             <a:endParaRPr lang="pt-BR"/>
           </a:p>
@@ -1014,7 +1014,7 @@
           <a:p>
             <a:fld id="{F36A889A-630D-4AE9-9509-7F3A71457833}" type="datetimeFigureOut">
               <a:rPr lang="pt-BR" smtClean="0"/>
-              <a:t>12/06/2015</a:t>
+              <a:t>20/06/2015</a:t>
             </a:fld>
             <a:endParaRPr lang="pt-BR"/>
           </a:p>
@@ -1246,7 +1246,7 @@
           <a:p>
             <a:fld id="{F36A889A-630D-4AE9-9509-7F3A71457833}" type="datetimeFigureOut">
               <a:rPr lang="pt-BR" smtClean="0"/>
-              <a:t>12/06/2015</a:t>
+              <a:t>20/06/2015</a:t>
             </a:fld>
             <a:endParaRPr lang="pt-BR"/>
           </a:p>
@@ -1613,7 +1613,7 @@
           <a:p>
             <a:fld id="{F36A889A-630D-4AE9-9509-7F3A71457833}" type="datetimeFigureOut">
               <a:rPr lang="pt-BR" smtClean="0"/>
-              <a:t>12/06/2015</a:t>
+              <a:t>20/06/2015</a:t>
             </a:fld>
             <a:endParaRPr lang="pt-BR"/>
           </a:p>
@@ -1731,7 +1731,7 @@
           <a:p>
             <a:fld id="{F36A889A-630D-4AE9-9509-7F3A71457833}" type="datetimeFigureOut">
               <a:rPr lang="pt-BR" smtClean="0"/>
-              <a:t>12/06/2015</a:t>
+              <a:t>20/06/2015</a:t>
             </a:fld>
             <a:endParaRPr lang="pt-BR"/>
           </a:p>
@@ -1826,7 +1826,7 @@
           <a:p>
             <a:fld id="{F36A889A-630D-4AE9-9509-7F3A71457833}" type="datetimeFigureOut">
               <a:rPr lang="pt-BR" smtClean="0"/>
-              <a:t>12/06/2015</a:t>
+              <a:t>20/06/2015</a:t>
             </a:fld>
             <a:endParaRPr lang="pt-BR"/>
           </a:p>
@@ -2103,7 +2103,7 @@
           <a:p>
             <a:fld id="{F36A889A-630D-4AE9-9509-7F3A71457833}" type="datetimeFigureOut">
               <a:rPr lang="pt-BR" smtClean="0"/>
-              <a:t>12/06/2015</a:t>
+              <a:t>20/06/2015</a:t>
             </a:fld>
             <a:endParaRPr lang="pt-BR"/>
           </a:p>
@@ -2356,7 +2356,7 @@
           <a:p>
             <a:fld id="{F36A889A-630D-4AE9-9509-7F3A71457833}" type="datetimeFigureOut">
               <a:rPr lang="pt-BR" smtClean="0"/>
-              <a:t>12/06/2015</a:t>
+              <a:t>20/06/2015</a:t>
             </a:fld>
             <a:endParaRPr lang="pt-BR"/>
           </a:p>
@@ -2569,7 +2569,7 @@
           <a:p>
             <a:fld id="{F36A889A-630D-4AE9-9509-7F3A71457833}" type="datetimeFigureOut">
               <a:rPr lang="pt-BR" smtClean="0"/>
-              <a:t>12/06/2015</a:t>
+              <a:t>20/06/2015</a:t>
             </a:fld>
             <a:endParaRPr lang="pt-BR"/>
           </a:p>
@@ -3280,13 +3280,8 @@
             </a:pPr>
             <a:r>
               <a:rPr lang="pt-BR" dirty="0" smtClean="0"/>
-              <a:t>Módulo 10 – Aula </a:t>
-            </a:r>
-            <a:r>
-              <a:rPr lang="pt-BR" dirty="0" smtClean="0"/>
-              <a:t>2</a:t>
-            </a:r>
-            <a:endParaRPr lang="pt-BR" dirty="0" smtClean="0"/>
+              <a:t>Módulo 10 – Aula 2</a:t>
+            </a:r>
           </a:p>
         </p:txBody>
       </p:sp>
@@ -3425,7 +3420,6 @@
               <a:rPr lang="en-US" dirty="0" smtClean="0"/>
               <a:t>Ideal para desktops e mobile</a:t>
             </a:r>
-            <a:endParaRPr lang="en-US" dirty="0" smtClean="0"/>
           </a:p>
           <a:p>
             <a:pPr fontAlgn="base"/>
@@ -3583,6 +3577,14 @@
             </a:r>
             <a:endParaRPr lang="en-US" dirty="0" smtClean="0"/>
           </a:p>
+          <a:p>
+            <a:pPr fontAlgn="base"/>
+            <a:r>
+              <a:rPr lang="en-US" dirty="0"/>
+              <a:t>https://github.com/krescruz/angular-materialize</a:t>
+            </a:r>
+            <a:endParaRPr lang="en-US" dirty="0" smtClean="0"/>
+          </a:p>
         </p:txBody>
       </p:sp>
     </p:spTree>
@@ -3684,11 +3686,7 @@
             </a:r>
             <a:r>
               <a:rPr lang="en-US" smtClean="0"/>
-              <a:t> </a:t>
-            </a:r>
-            <a:r>
-              <a:rPr lang="en-US" smtClean="0"/>
-              <a:t>materialize </a:t>
+              <a:t> materialize </a:t>
             </a:r>
             <a:r>
               <a:rPr lang="en-US" dirty="0" smtClean="0"/>
